--- a/module_1/module_1.pptx
+++ b/module_1/module_1.pptx
@@ -8545,8 +8545,8 @@
           <a:chExt cx="0" cy="0"/>
         </a:xfrm>
       </p:grpSpPr>
-      <mc:AlternateContent xmlns:mc="http://schemas.openxmlformats.org/markup-compatibility/2006">
-        <mc:Choice xmlns:a14="http://schemas.microsoft.com/office/drawing/2010/main" Requires="a14">
+      <mc:AlternateContent xmlns:mc="http://schemas.openxmlformats.org/markup-compatibility/2006" xmlns:a14="http://schemas.microsoft.com/office/drawing/2010/main">
+        <mc:Choice Requires="a14">
           <p:sp>
             <p:nvSpPr>
               <p:cNvPr id="3" name="Title 1">
@@ -8670,7 +8670,7 @@
             </p:txBody>
           </p:sp>
         </mc:Choice>
-        <mc:Fallback>
+        <mc:Fallback xmlns="">
           <p:sp>
             <p:nvSpPr>
               <p:cNvPr id="3" name="Title 1">
@@ -9421,7 +9421,7 @@
             <p:spPr>
               <a:xfrm>
                 <a:off x="1500554" y="2272655"/>
-                <a:ext cx="9190892" cy="3477875"/>
+                <a:ext cx="9190892" cy="3581365"/>
               </a:xfrm>
               <a:prstGeom prst="rect">
                 <a:avLst/>
@@ -9481,7 +9481,7 @@
                             <a:rPr lang="en-US" sz="4400" b="0" i="1" smtClean="0">
                               <a:latin typeface="Cambria Math" panose="02040503050406030204" pitchFamily="18" charset="0"/>
                             </a:rPr>
-                            <m:t>5</m:t>
+                            <m:t>128</m:t>
                           </m:r>
                         </m:e>
                         <m:sup>
@@ -9812,7 +9812,7 @@
             <p:spPr>
               <a:xfrm>
                 <a:off x="1500554" y="2272655"/>
-                <a:ext cx="9190892" cy="3477875"/>
+                <a:ext cx="9190892" cy="3581365"/>
               </a:xfrm>
               <a:prstGeom prst="rect">
                 <a:avLst/>
